--- a/Relatioinal Effectiveness Project.pptx
+++ b/Relatioinal Effectiveness Project.pptx
@@ -119,6 +119,7 @@
 <file path=ppt/revisionInfo.xml><?xml version="1.0" encoding="utf-8"?>
 <p1510:revInfo xmlns:a="http://schemas.openxmlformats.org/drawingml/2006/main" xmlns:r="http://schemas.openxmlformats.org/officeDocument/2006/relationships" xmlns:p1510="http://schemas.microsoft.com/office/powerpoint/2015/10/main">
   <p1510:revLst>
+    <p1510:client id="{5E770F03-F32E-40DB-8E64-1CA38264AECA}" v="141" dt="2022-06-21T13:48:29.380"/>
     <p1510:client id="{80E4DB84-1F51-4902-A86B-5CC128C29A6C}" v="1076" dt="2022-06-14T09:17:36.930"/>
   </p1510:revLst>
 </p1510:revInfo>
@@ -255,7 +256,7 @@
           <a:p>
             <a:fld id="{846CE7D5-CF57-46EF-B807-FDD0502418D4}" type="datetimeFigureOut">
               <a:rPr lang="en-US" smtClean="0"/>
-              <a:t>6/14/2022</a:t>
+              <a:t>6/21/2022</a:t>
             </a:fld>
             <a:endParaRPr lang="en-US"/>
           </a:p>
@@ -425,7 +426,7 @@
           <a:p>
             <a:fld id="{846CE7D5-CF57-46EF-B807-FDD0502418D4}" type="datetimeFigureOut">
               <a:rPr lang="en-US" smtClean="0"/>
-              <a:t>6/14/2022</a:t>
+              <a:t>6/21/2022</a:t>
             </a:fld>
             <a:endParaRPr lang="en-US"/>
           </a:p>
@@ -605,7 +606,7 @@
           <a:p>
             <a:fld id="{846CE7D5-CF57-46EF-B807-FDD0502418D4}" type="datetimeFigureOut">
               <a:rPr lang="en-US" smtClean="0"/>
-              <a:t>6/14/2022</a:t>
+              <a:t>6/21/2022</a:t>
             </a:fld>
             <a:endParaRPr lang="en-US"/>
           </a:p>
@@ -775,7 +776,7 @@
           <a:p>
             <a:fld id="{846CE7D5-CF57-46EF-B807-FDD0502418D4}" type="datetimeFigureOut">
               <a:rPr lang="en-US" smtClean="0"/>
-              <a:t>6/14/2022</a:t>
+              <a:t>6/21/2022</a:t>
             </a:fld>
             <a:endParaRPr lang="en-US"/>
           </a:p>
@@ -1021,7 +1022,7 @@
           <a:p>
             <a:fld id="{846CE7D5-CF57-46EF-B807-FDD0502418D4}" type="datetimeFigureOut">
               <a:rPr lang="en-US" smtClean="0"/>
-              <a:t>6/14/2022</a:t>
+              <a:t>6/21/2022</a:t>
             </a:fld>
             <a:endParaRPr lang="en-US"/>
           </a:p>
@@ -1253,7 +1254,7 @@
           <a:p>
             <a:fld id="{846CE7D5-CF57-46EF-B807-FDD0502418D4}" type="datetimeFigureOut">
               <a:rPr lang="en-US" smtClean="0"/>
-              <a:t>6/14/2022</a:t>
+              <a:t>6/21/2022</a:t>
             </a:fld>
             <a:endParaRPr lang="en-US"/>
           </a:p>
@@ -1620,7 +1621,7 @@
           <a:p>
             <a:fld id="{846CE7D5-CF57-46EF-B807-FDD0502418D4}" type="datetimeFigureOut">
               <a:rPr lang="en-US" smtClean="0"/>
-              <a:t>6/14/2022</a:t>
+              <a:t>6/21/2022</a:t>
             </a:fld>
             <a:endParaRPr lang="en-US"/>
           </a:p>
@@ -1738,7 +1739,7 @@
           <a:p>
             <a:fld id="{846CE7D5-CF57-46EF-B807-FDD0502418D4}" type="datetimeFigureOut">
               <a:rPr lang="en-US" smtClean="0"/>
-              <a:t>6/14/2022</a:t>
+              <a:t>6/21/2022</a:t>
             </a:fld>
             <a:endParaRPr lang="en-US"/>
           </a:p>
@@ -1833,7 +1834,7 @@
           <a:p>
             <a:fld id="{846CE7D5-CF57-46EF-B807-FDD0502418D4}" type="datetimeFigureOut">
               <a:rPr lang="en-US" smtClean="0"/>
-              <a:t>6/14/2022</a:t>
+              <a:t>6/21/2022</a:t>
             </a:fld>
             <a:endParaRPr lang="en-US"/>
           </a:p>
@@ -2110,7 +2111,7 @@
           <a:p>
             <a:fld id="{846CE7D5-CF57-46EF-B807-FDD0502418D4}" type="datetimeFigureOut">
               <a:rPr lang="en-US" smtClean="0"/>
-              <a:t>6/14/2022</a:t>
+              <a:t>6/21/2022</a:t>
             </a:fld>
             <a:endParaRPr lang="en-US"/>
           </a:p>
@@ -2367,7 +2368,7 @@
           <a:p>
             <a:fld id="{846CE7D5-CF57-46EF-B807-FDD0502418D4}" type="datetimeFigureOut">
               <a:rPr lang="en-US" smtClean="0"/>
-              <a:t>6/14/2022</a:t>
+              <a:t>6/21/2022</a:t>
             </a:fld>
             <a:endParaRPr lang="en-US"/>
           </a:p>
@@ -2580,7 +2581,7 @@
           <a:p>
             <a:fld id="{846CE7D5-CF57-46EF-B807-FDD0502418D4}" type="datetimeFigureOut">
               <a:rPr lang="en-US" smtClean="0"/>
-              <a:t>6/14/2022</a:t>
+              <a:t>6/21/2022</a:t>
             </a:fld>
             <a:endParaRPr lang="en-US"/>
           </a:p>
@@ -3293,8 +3294,40 @@
               <a:rPr lang="en-US" dirty="0">
                 <a:cs typeface="Calibri"/>
               </a:rPr>
-              <a:t>Me: During the meeting, you insulted me by calling me incompetent in front of my team. It was humiliating, so I want to know your reasons for calling me incompetent and if there is anything I am doing that is not up to standard or expectations.</a:t>
-            </a:r>
+              <a:t>Me: During the meeting, you insulted me by calling me incompetent in front of my team. </a:t>
+            </a:r>
+            <a:r>
+              <a:rPr lang="en-US" dirty="0">
+                <a:ea typeface="+mn-lt"/>
+                <a:cs typeface="+mn-lt"/>
+              </a:rPr>
+              <a:t> I feel humiliated because you did </a:t>
+            </a:r>
+            <a:r>
+              <a:rPr lang="en-US" dirty="0">
+                <a:cs typeface="Calibri"/>
+              </a:rPr>
+              <a:t>this.</a:t>
+            </a:r>
+            <a:endParaRPr lang="en-US">
+              <a:cs typeface="Calibri"/>
+            </a:endParaRPr>
+          </a:p>
+          <a:p>
+            <a:pPr marL="457200" indent="-457200">
+              <a:buFont typeface="Wingdings" panose="020B0604020202020204" pitchFamily="34" charset="0"/>
+              <a:buChar char="q"/>
+            </a:pPr>
+            <a:r>
+              <a:rPr lang="en-US" dirty="0">
+                <a:ea typeface="+mn-lt"/>
+                <a:cs typeface="+mn-lt"/>
+              </a:rPr>
+              <a:t>I would appreciate it if you confronted me privately and I’ll make sure I try to be more competent and efficient in my work</a:t>
+            </a:r>
+            <a:endParaRPr lang="en-US" dirty="0">
+              <a:cs typeface="Calibri"/>
+            </a:endParaRPr>
           </a:p>
           <a:p>
             <a:pPr marL="0" indent="0">
@@ -3316,7 +3349,14 @@
               <a:rPr lang="en-US" dirty="0">
                 <a:cs typeface="Calibri"/>
               </a:rPr>
-              <a:t>Me: Thank you. But please next time, I would advise you not to do that during a meeting. You could privately give me such feedback or confrontation. Because apart from humiliating the person, You are also giving a bad image about yourself and your lack of etiquette during a meeting</a:t>
+              <a:t>Me: I hope we both understand our different perspectives and adhere to this solution so as to bring about </a:t>
+            </a:r>
+            <a:r>
+              <a:rPr lang="en-US" dirty="0">
+                <a:ea typeface="+mn-lt"/>
+                <a:cs typeface="+mn-lt"/>
+              </a:rPr>
+              <a:t> fruitful and respectful exchange.</a:t>
             </a:r>
           </a:p>
           <a:p>
@@ -3491,7 +3531,7 @@
         </p:spPr>
         <p:txBody>
           <a:bodyPr vert="horz" lIns="91440" tIns="45720" rIns="91440" bIns="45720" rtlCol="0" anchor="t">
-            <a:normAutofit fontScale="85000" lnSpcReduction="20000"/>
+            <a:normAutofit fontScale="77500" lnSpcReduction="20000"/>
           </a:bodyPr>
           <a:lstStyle/>
           <a:p>
@@ -3601,25 +3641,54 @@
               <a:buChar char="q"/>
             </a:pPr>
             <a:r>
+              <a:rPr lang="en-US" b="1" dirty="0">
+                <a:cs typeface="Calibri"/>
+              </a:rPr>
+              <a:t>Me:</a:t>
+            </a:r>
+            <a:r>
               <a:rPr lang="en-US" dirty="0">
                 <a:cs typeface="Calibri"/>
               </a:rPr>
-              <a:t>Me: Good evening Emna, </a:t>
+              <a:t> Good evening Emna, </a:t>
             </a:r>
             <a:r>
               <a:rPr lang="en-US" dirty="0">
                 <a:ea typeface="+mn-lt"/>
                 <a:cs typeface="+mn-lt"/>
               </a:rPr>
-              <a:t>I would have loved to help but my</a:t>
+              <a:t>I understand you and I would love to help you out but I simply cannot because I'm </a:t>
             </a:r>
             <a:r>
               <a:rPr lang="en-US" dirty="0">
                 <a:cs typeface="Calibri"/>
               </a:rPr>
-              <a:t> day has been long and stressful and filled with so much work. Moreover, It's getting late and I have to get home.</a:t>
+              <a:t>quite stressed from today's work. Moreover, It's getting late and I have to get home.</a:t>
             </a:r>
             <a:endParaRPr lang="en-US" b="1" dirty="0">
+              <a:cs typeface="Calibri"/>
+            </a:endParaRPr>
+          </a:p>
+          <a:p>
+            <a:pPr marL="457200" indent="-457200">
+              <a:buFont typeface="Wingdings" panose="020B0604020202020204" pitchFamily="34" charset="0"/>
+              <a:buChar char="q"/>
+            </a:pPr>
+            <a:r>
+              <a:rPr lang="en-US" b="1" dirty="0">
+                <a:ea typeface="+mn-lt"/>
+                <a:cs typeface="+mn-lt"/>
+              </a:rPr>
+              <a:t>Me: </a:t>
+            </a:r>
+            <a:r>
+              <a:rPr lang="en-US" dirty="0">
+                <a:ea typeface="+mn-lt"/>
+                <a:cs typeface="+mn-lt"/>
+              </a:rPr>
+              <a:t>I cannot do this task right now, but I can fix a suitable time for me to offer some help.</a:t>
+            </a:r>
+            <a:endParaRPr lang="en-US" dirty="0">
               <a:cs typeface="Calibri"/>
             </a:endParaRPr>
           </a:p>
@@ -3637,10 +3706,16 @@
               <a:buChar char="q"/>
             </a:pPr>
             <a:r>
+              <a:rPr lang="en-US" b="1" dirty="0">
+                <a:cs typeface="Calibri"/>
+              </a:rPr>
+              <a:t>Me</a:t>
+            </a:r>
+            <a:r>
               <a:rPr lang="en-US" dirty="0">
                 <a:cs typeface="Calibri"/>
               </a:rPr>
-              <a:t>Me: I hope you understand my POV in this situation.</a:t>
+              <a:t>: Thank you for your understanding.</a:t>
             </a:r>
           </a:p>
           <a:p>
@@ -3661,7 +3736,7 @@
               <a:rPr lang="en-US" dirty="0">
                 <a:cs typeface="Calibri"/>
               </a:rPr>
-              <a:t>Emna: Yes I do, Thank you.</a:t>
+              <a:t>Emna: You're welcome.</a:t>
             </a:r>
           </a:p>
           <a:p>
@@ -3679,22 +3754,16 @@
               <a:buChar char="q"/>
             </a:pPr>
             <a:r>
+              <a:rPr lang="en-US" b="1" dirty="0">
+                <a:cs typeface="Calibri"/>
+              </a:rPr>
+              <a:t>Me:</a:t>
+            </a:r>
+            <a:r>
               <a:rPr lang="en-US" dirty="0">
                 <a:cs typeface="Calibri"/>
               </a:rPr>
-              <a:t>Me: </a:t>
-            </a:r>
-            <a:r>
-              <a:rPr lang="en-US" dirty="0" err="1">
-                <a:cs typeface="Calibri"/>
-              </a:rPr>
-              <a:t>Your'e</a:t>
-            </a:r>
-            <a:r>
-              <a:rPr lang="en-US" dirty="0">
-                <a:cs typeface="Calibri"/>
-              </a:rPr>
-              <a:t> welcome. Have a nice day!</a:t>
+              <a:t> Have a nice day Emna !</a:t>
             </a:r>
           </a:p>
           <a:p>
